--- a/presentation/extra.pptx
+++ b/presentation/extra.pptx
@@ -106,6 +106,11 @@
       </a:defRPr>
     </a:lvl9pPr>
   </p:defaultTextStyle>
+  <p:extLst>
+    <p:ext uri="{EFAFB233-063F-42B5-8137-9DF3F51BA10A}">
+      <p15:sldGuideLst xmlns:p15="http://schemas.microsoft.com/office/powerpoint/2012/main"/>
+    </p:ext>
+  </p:extLst>
 </p:presentation>
 </file>
 
@@ -240,7 +245,7 @@
           <a:p>
             <a:fld id="{0D5EF1A6-D462-43CB-B0B3-F1CC21CDD259}" type="datetimeFigureOut">
               <a:rPr lang="en-US" smtClean="0"/>
-              <a:t>10/19/2017</a:t>
+              <a:t>11/13/2017</a:t>
             </a:fld>
             <a:endParaRPr lang="en-US"/>
           </a:p>
@@ -410,7 +415,7 @@
           <a:p>
             <a:fld id="{0D5EF1A6-D462-43CB-B0B3-F1CC21CDD259}" type="datetimeFigureOut">
               <a:rPr lang="en-US" smtClean="0"/>
-              <a:t>10/19/2017</a:t>
+              <a:t>11/13/2017</a:t>
             </a:fld>
             <a:endParaRPr lang="en-US"/>
           </a:p>
@@ -590,7 +595,7 @@
           <a:p>
             <a:fld id="{0D5EF1A6-D462-43CB-B0B3-F1CC21CDD259}" type="datetimeFigureOut">
               <a:rPr lang="en-US" smtClean="0"/>
-              <a:t>10/19/2017</a:t>
+              <a:t>11/13/2017</a:t>
             </a:fld>
             <a:endParaRPr lang="en-US"/>
           </a:p>
@@ -760,7 +765,7 @@
           <a:p>
             <a:fld id="{0D5EF1A6-D462-43CB-B0B3-F1CC21CDD259}" type="datetimeFigureOut">
               <a:rPr lang="en-US" smtClean="0"/>
-              <a:t>10/19/2017</a:t>
+              <a:t>11/13/2017</a:t>
             </a:fld>
             <a:endParaRPr lang="en-US"/>
           </a:p>
@@ -1006,7 +1011,7 @@
           <a:p>
             <a:fld id="{0D5EF1A6-D462-43CB-B0B3-F1CC21CDD259}" type="datetimeFigureOut">
               <a:rPr lang="en-US" smtClean="0"/>
-              <a:t>10/19/2017</a:t>
+              <a:t>11/13/2017</a:t>
             </a:fld>
             <a:endParaRPr lang="en-US"/>
           </a:p>
@@ -1238,7 +1243,7 @@
           <a:p>
             <a:fld id="{0D5EF1A6-D462-43CB-B0B3-F1CC21CDD259}" type="datetimeFigureOut">
               <a:rPr lang="en-US" smtClean="0"/>
-              <a:t>10/19/2017</a:t>
+              <a:t>11/13/2017</a:t>
             </a:fld>
             <a:endParaRPr lang="en-US"/>
           </a:p>
@@ -1605,7 +1610,7 @@
           <a:p>
             <a:fld id="{0D5EF1A6-D462-43CB-B0B3-F1CC21CDD259}" type="datetimeFigureOut">
               <a:rPr lang="en-US" smtClean="0"/>
-              <a:t>10/19/2017</a:t>
+              <a:t>11/13/2017</a:t>
             </a:fld>
             <a:endParaRPr lang="en-US"/>
           </a:p>
@@ -1723,7 +1728,7 @@
           <a:p>
             <a:fld id="{0D5EF1A6-D462-43CB-B0B3-F1CC21CDD259}" type="datetimeFigureOut">
               <a:rPr lang="en-US" smtClean="0"/>
-              <a:t>10/19/2017</a:t>
+              <a:t>11/13/2017</a:t>
             </a:fld>
             <a:endParaRPr lang="en-US"/>
           </a:p>
@@ -1818,7 +1823,7 @@
           <a:p>
             <a:fld id="{0D5EF1A6-D462-43CB-B0B3-F1CC21CDD259}" type="datetimeFigureOut">
               <a:rPr lang="en-US" smtClean="0"/>
-              <a:t>10/19/2017</a:t>
+              <a:t>11/13/2017</a:t>
             </a:fld>
             <a:endParaRPr lang="en-US"/>
           </a:p>
@@ -2095,7 +2100,7 @@
           <a:p>
             <a:fld id="{0D5EF1A6-D462-43CB-B0B3-F1CC21CDD259}" type="datetimeFigureOut">
               <a:rPr lang="en-US" smtClean="0"/>
-              <a:t>10/19/2017</a:t>
+              <a:t>11/13/2017</a:t>
             </a:fld>
             <a:endParaRPr lang="en-US"/>
           </a:p>
@@ -2348,7 +2353,7 @@
           <a:p>
             <a:fld id="{0D5EF1A6-D462-43CB-B0B3-F1CC21CDD259}" type="datetimeFigureOut">
               <a:rPr lang="en-US" smtClean="0"/>
-              <a:t>10/19/2017</a:t>
+              <a:t>11/13/2017</a:t>
             </a:fld>
             <a:endParaRPr lang="en-US"/>
           </a:p>
@@ -2561,7 +2566,7 @@
           <a:p>
             <a:fld id="{0D5EF1A6-D462-43CB-B0B3-F1CC21CDD259}" type="datetimeFigureOut">
               <a:rPr lang="en-US" smtClean="0"/>
-              <a:t>10/19/2017</a:t>
+              <a:t>11/13/2017</a:t>
             </a:fld>
             <a:endParaRPr lang="en-US"/>
           </a:p>
@@ -3089,7 +3094,24 @@
           <a:bodyPr/>
           <a:lstStyle/>
           <a:p>
-            <a:endParaRPr lang="en-US"/>
+            <a:r>
+              <a:rPr lang="en-US" dirty="0" smtClean="0"/>
+              <a:t>Architecture (Concept)</a:t>
+            </a:r>
+          </a:p>
+          <a:p>
+            <a:r>
+              <a:rPr lang="en-US" dirty="0" smtClean="0"/>
+              <a:t>Technology</a:t>
+            </a:r>
+          </a:p>
+          <a:p>
+            <a:pPr lvl="1"/>
+            <a:r>
+              <a:rPr lang="en-US" dirty="0" smtClean="0"/>
+              <a:t>SQLite</a:t>
+            </a:r>
+            <a:endParaRPr lang="en-US" dirty="0"/>
           </a:p>
         </p:txBody>
       </p:sp>
@@ -3161,7 +3183,26 @@
           <a:bodyPr/>
           <a:lstStyle/>
           <a:p>
-            <a:endParaRPr lang="en-US"/>
+            <a:r>
+              <a:rPr lang="en-US" dirty="0" smtClean="0"/>
+              <a:t>Architecture (Concept)</a:t>
+            </a:r>
+          </a:p>
+          <a:p>
+            <a:r>
+              <a:rPr lang="en-US" dirty="0" smtClean="0"/>
+              <a:t>Technology</a:t>
+            </a:r>
+          </a:p>
+          <a:p>
+            <a:pPr lvl="1"/>
+            <a:r>
+              <a:rPr lang="en-US" dirty="0" smtClean="0"/>
+              <a:t>PHP</a:t>
+            </a:r>
+          </a:p>
+          <a:p>
+            <a:endParaRPr lang="en-US" dirty="0"/>
           </a:p>
         </p:txBody>
       </p:sp>

--- a/presentation/extra.pptx
+++ b/presentation/extra.pptx
@@ -6,8 +6,13 @@
   </p:sldMasterIdLst>
   <p:sldIdLst>
     <p:sldId id="256" r:id="rId2"/>
-    <p:sldId id="257" r:id="rId3"/>
-    <p:sldId id="258" r:id="rId4"/>
+    <p:sldId id="258" r:id="rId3"/>
+    <p:sldId id="259" r:id="rId4"/>
+    <p:sldId id="261" r:id="rId5"/>
+    <p:sldId id="262" r:id="rId6"/>
+    <p:sldId id="257" r:id="rId7"/>
+    <p:sldId id="260" r:id="rId8"/>
+    <p:sldId id="263" r:id="rId9"/>
   </p:sldIdLst>
   <p:sldSz cx="12192000" cy="6858000"/>
   <p:notesSz cx="6858000" cy="9144000"/>
@@ -245,7 +250,7 @@
           <a:p>
             <a:fld id="{0D5EF1A6-D462-43CB-B0B3-F1CC21CDD259}" type="datetimeFigureOut">
               <a:rPr lang="en-US" smtClean="0"/>
-              <a:t>11/13/2017</a:t>
+              <a:t>11/21/2017</a:t>
             </a:fld>
             <a:endParaRPr lang="en-US"/>
           </a:p>
@@ -415,7 +420,7 @@
           <a:p>
             <a:fld id="{0D5EF1A6-D462-43CB-B0B3-F1CC21CDD259}" type="datetimeFigureOut">
               <a:rPr lang="en-US" smtClean="0"/>
-              <a:t>11/13/2017</a:t>
+              <a:t>11/21/2017</a:t>
             </a:fld>
             <a:endParaRPr lang="en-US"/>
           </a:p>
@@ -595,7 +600,7 @@
           <a:p>
             <a:fld id="{0D5EF1A6-D462-43CB-B0B3-F1CC21CDD259}" type="datetimeFigureOut">
               <a:rPr lang="en-US" smtClean="0"/>
-              <a:t>11/13/2017</a:t>
+              <a:t>11/21/2017</a:t>
             </a:fld>
             <a:endParaRPr lang="en-US"/>
           </a:p>
@@ -765,7 +770,7 @@
           <a:p>
             <a:fld id="{0D5EF1A6-D462-43CB-B0B3-F1CC21CDD259}" type="datetimeFigureOut">
               <a:rPr lang="en-US" smtClean="0"/>
-              <a:t>11/13/2017</a:t>
+              <a:t>11/21/2017</a:t>
             </a:fld>
             <a:endParaRPr lang="en-US"/>
           </a:p>
@@ -1011,7 +1016,7 @@
           <a:p>
             <a:fld id="{0D5EF1A6-D462-43CB-B0B3-F1CC21CDD259}" type="datetimeFigureOut">
               <a:rPr lang="en-US" smtClean="0"/>
-              <a:t>11/13/2017</a:t>
+              <a:t>11/21/2017</a:t>
             </a:fld>
             <a:endParaRPr lang="en-US"/>
           </a:p>
@@ -1243,7 +1248,7 @@
           <a:p>
             <a:fld id="{0D5EF1A6-D462-43CB-B0B3-F1CC21CDD259}" type="datetimeFigureOut">
               <a:rPr lang="en-US" smtClean="0"/>
-              <a:t>11/13/2017</a:t>
+              <a:t>11/21/2017</a:t>
             </a:fld>
             <a:endParaRPr lang="en-US"/>
           </a:p>
@@ -1610,7 +1615,7 @@
           <a:p>
             <a:fld id="{0D5EF1A6-D462-43CB-B0B3-F1CC21CDD259}" type="datetimeFigureOut">
               <a:rPr lang="en-US" smtClean="0"/>
-              <a:t>11/13/2017</a:t>
+              <a:t>11/21/2017</a:t>
             </a:fld>
             <a:endParaRPr lang="en-US"/>
           </a:p>
@@ -1728,7 +1733,7 @@
           <a:p>
             <a:fld id="{0D5EF1A6-D462-43CB-B0B3-F1CC21CDD259}" type="datetimeFigureOut">
               <a:rPr lang="en-US" smtClean="0"/>
-              <a:t>11/13/2017</a:t>
+              <a:t>11/21/2017</a:t>
             </a:fld>
             <a:endParaRPr lang="en-US"/>
           </a:p>
@@ -1823,7 +1828,7 @@
           <a:p>
             <a:fld id="{0D5EF1A6-D462-43CB-B0B3-F1CC21CDD259}" type="datetimeFigureOut">
               <a:rPr lang="en-US" smtClean="0"/>
-              <a:t>11/13/2017</a:t>
+              <a:t>11/21/2017</a:t>
             </a:fld>
             <a:endParaRPr lang="en-US"/>
           </a:p>
@@ -2100,7 +2105,7 @@
           <a:p>
             <a:fld id="{0D5EF1A6-D462-43CB-B0B3-F1CC21CDD259}" type="datetimeFigureOut">
               <a:rPr lang="en-US" smtClean="0"/>
-              <a:t>11/13/2017</a:t>
+              <a:t>11/21/2017</a:t>
             </a:fld>
             <a:endParaRPr lang="en-US"/>
           </a:p>
@@ -2353,7 +2358,7 @@
           <a:p>
             <a:fld id="{0D5EF1A6-D462-43CB-B0B3-F1CC21CDD259}" type="datetimeFigureOut">
               <a:rPr lang="en-US" smtClean="0"/>
-              <a:t>11/13/2017</a:t>
+              <a:t>11/21/2017</a:t>
             </a:fld>
             <a:endParaRPr lang="en-US"/>
           </a:p>
@@ -2566,7 +2571,7 @@
           <a:p>
             <a:fld id="{0D5EF1A6-D462-43CB-B0B3-F1CC21CDD259}" type="datetimeFigureOut">
               <a:rPr lang="en-US" smtClean="0"/>
-              <a:t>11/13/2017</a:t>
+              <a:t>11/21/2017</a:t>
             </a:fld>
             <a:endParaRPr lang="en-US"/>
           </a:p>
@@ -2997,7 +3002,7 @@
             </a:br>
             <a:r>
               <a:rPr lang="en-US" sz="4800" dirty="0" smtClean="0"/>
-              <a:t>- Extra -</a:t>
+              <a:t>- Login and Registration -</a:t>
             </a:r>
             <a:endParaRPr lang="en-US" sz="4800" dirty="0"/>
           </a:p>
@@ -3066,14 +3071,19 @@
             <p:ph type="title"/>
           </p:nvPr>
         </p:nvSpPr>
-        <p:spPr/>
+        <p:spPr>
+          <a:xfrm>
+            <a:off x="7014754" y="365125"/>
+            <a:ext cx="4339046" cy="1325563"/>
+          </a:xfrm>
+        </p:spPr>
         <p:txBody>
           <a:bodyPr/>
           <a:lstStyle/>
           <a:p>
             <a:r>
               <a:rPr lang="en-US" dirty="0" smtClean="0"/>
-              <a:t>SQLite Database</a:t>
+              <a:t>Remote Database</a:t>
             </a:r>
             <a:endParaRPr lang="en-US" dirty="0"/>
           </a:p>
@@ -3109,8 +3119,17 @@
             <a:pPr lvl="1"/>
             <a:r>
               <a:rPr lang="en-US" dirty="0" smtClean="0"/>
-              <a:t>SQLite</a:t>
-            </a:r>
+              <a:t>PHP</a:t>
+            </a:r>
+          </a:p>
+          <a:p>
+            <a:pPr lvl="1"/>
+            <a:r>
+              <a:rPr lang="en-US" dirty="0" smtClean="0"/>
+              <a:t>Android Volley library</a:t>
+            </a:r>
+          </a:p>
+          <a:p>
             <a:endParaRPr lang="en-US" dirty="0"/>
           </a:p>
         </p:txBody>
@@ -3118,13 +3137,20 @@
     </p:spTree>
     <p:extLst>
       <p:ext uri="{BB962C8B-B14F-4D97-AF65-F5344CB8AC3E}">
-        <p14:creationId xmlns:p14="http://schemas.microsoft.com/office/powerpoint/2010/main" val="3929665681"/>
+        <p14:creationId xmlns:p14="http://schemas.microsoft.com/office/powerpoint/2010/main" val="2275768947"/>
       </p:ext>
     </p:extLst>
   </p:cSld>
   <p:clrMapOvr>
     <a:masterClrMapping/>
   </p:clrMapOvr>
+  <p:timing>
+    <p:tnLst>
+      <p:par>
+        <p:cTn id="1" dur="indefinite" restart="never" nodeType="tmRoot"/>
+      </p:par>
+    </p:tnLst>
+  </p:timing>
 </p:sld>
 </file>
 
@@ -3155,53 +3181,372 @@
             <p:ph type="title"/>
           </p:nvPr>
         </p:nvSpPr>
-        <p:spPr/>
-        <p:txBody>
-          <a:bodyPr/>
-          <a:lstStyle/>
-          <a:p>
+        <p:spPr>
+          <a:xfrm>
+            <a:off x="6204857" y="365126"/>
+            <a:ext cx="5148943" cy="862784"/>
+          </a:xfrm>
+        </p:spPr>
+        <p:txBody>
+          <a:bodyPr>
+            <a:normAutofit fontScale="90000"/>
+          </a:bodyPr>
+          <a:lstStyle/>
+          <a:p>
+            <a:r>
+              <a:rPr lang="en-US" dirty="0" err="1" smtClean="0"/>
+              <a:t>Architexture</a:t>
+            </a:r>
             <a:r>
               <a:rPr lang="en-US" dirty="0" smtClean="0"/>
-              <a:t>Remote Database</a:t>
+              <a:t> (Concept)</a:t>
             </a:r>
             <a:endParaRPr lang="en-US" dirty="0"/>
           </a:p>
         </p:txBody>
       </p:sp>
-      <p:sp>
-        <p:nvSpPr>
-          <p:cNvPr id="3" name="Content Placeholder 2"/>
-          <p:cNvSpPr>
-            <a:spLocks noGrp="1"/>
-          </p:cNvSpPr>
-          <p:nvPr>
-            <p:ph idx="1"/>
-          </p:nvPr>
-        </p:nvSpPr>
-        <p:spPr/>
-        <p:txBody>
-          <a:bodyPr/>
-          <a:lstStyle/>
-          <a:p>
+      <p:pic>
+        <p:nvPicPr>
+          <p:cNvPr id="4" name="Picture 3"/>
+          <p:cNvPicPr>
+            <a:picLocks noChangeAspect="1"/>
+          </p:cNvPicPr>
+          <p:nvPr/>
+        </p:nvPicPr>
+        <p:blipFill>
+          <a:blip r:embed="rId2" cstate="print">
+            <a:extLst>
+              <a:ext uri="{28A0092B-C50C-407E-A947-70E740481C1C}">
+                <a14:useLocalDpi xmlns:a14="http://schemas.microsoft.com/office/drawing/2010/main" val="0"/>
+              </a:ext>
+            </a:extLst>
+          </a:blip>
+          <a:stretch>
+            <a:fillRect/>
+          </a:stretch>
+        </p:blipFill>
+        <p:spPr>
+          <a:xfrm>
+            <a:off x="688413" y="154918"/>
+            <a:ext cx="1768430" cy="3143876"/>
+          </a:xfrm>
+          <a:prstGeom prst="rect">
+            <a:avLst/>
+          </a:prstGeom>
+        </p:spPr>
+      </p:pic>
+      <p:pic>
+        <p:nvPicPr>
+          <p:cNvPr id="5" name="Picture 4"/>
+          <p:cNvPicPr>
+            <a:picLocks noChangeAspect="1"/>
+          </p:cNvPicPr>
+          <p:nvPr/>
+        </p:nvPicPr>
+        <p:blipFill>
+          <a:blip r:embed="rId3" cstate="print">
+            <a:extLst>
+              <a:ext uri="{28A0092B-C50C-407E-A947-70E740481C1C}">
+                <a14:useLocalDpi xmlns:a14="http://schemas.microsoft.com/office/drawing/2010/main" val="0"/>
+              </a:ext>
+            </a:extLst>
+          </a:blip>
+          <a:stretch>
+            <a:fillRect/>
+          </a:stretch>
+        </p:blipFill>
+        <p:spPr>
+          <a:xfrm>
+            <a:off x="688413" y="3544307"/>
+            <a:ext cx="1768430" cy="3143876"/>
+          </a:xfrm>
+          <a:prstGeom prst="rect">
+            <a:avLst/>
+          </a:prstGeom>
+        </p:spPr>
+      </p:pic>
+      <p:sp>
+        <p:nvSpPr>
+          <p:cNvPr id="6" name="Flowchart: Magnetic Disk 5"/>
+          <p:cNvSpPr/>
+          <p:nvPr/>
+        </p:nvSpPr>
+        <p:spPr>
+          <a:xfrm>
+            <a:off x="9430357" y="2475834"/>
+            <a:ext cx="1384663" cy="1645920"/>
+          </a:xfrm>
+          <a:prstGeom prst="flowChartMagneticDisk">
+            <a:avLst/>
+          </a:prstGeom>
+        </p:spPr>
+        <p:style>
+          <a:lnRef idx="3">
+            <a:schemeClr val="lt1"/>
+          </a:lnRef>
+          <a:fillRef idx="1">
+            <a:schemeClr val="accent1"/>
+          </a:fillRef>
+          <a:effectRef idx="1">
+            <a:schemeClr val="accent1"/>
+          </a:effectRef>
+          <a:fontRef idx="minor">
+            <a:schemeClr val="lt1"/>
+          </a:fontRef>
+        </p:style>
+        <p:txBody>
+          <a:bodyPr rtlCol="0" anchor="ctr"/>
+          <a:lstStyle/>
+          <a:p>
+            <a:pPr algn="ctr"/>
             <a:r>
               <a:rPr lang="en-US" dirty="0" smtClean="0"/>
-              <a:t>Architecture (Concept)</a:t>
-            </a:r>
-          </a:p>
-          <a:p>
+              <a:t>Database</a:t>
+            </a:r>
+            <a:endParaRPr lang="en-US" dirty="0"/>
+          </a:p>
+        </p:txBody>
+      </p:sp>
+      <p:sp>
+        <p:nvSpPr>
+          <p:cNvPr id="7" name="Flowchart: Predefined Process 6"/>
+          <p:cNvSpPr/>
+          <p:nvPr/>
+        </p:nvSpPr>
+        <p:spPr>
+          <a:xfrm>
+            <a:off x="5747657" y="2788056"/>
+            <a:ext cx="1776549" cy="1021476"/>
+          </a:xfrm>
+          <a:prstGeom prst="flowChartPredefinedProcess">
+            <a:avLst/>
+          </a:prstGeom>
+        </p:spPr>
+        <p:style>
+          <a:lnRef idx="2">
+            <a:schemeClr val="accent1">
+              <a:shade val="50000"/>
+            </a:schemeClr>
+          </a:lnRef>
+          <a:fillRef idx="1">
+            <a:schemeClr val="accent1"/>
+          </a:fillRef>
+          <a:effectRef idx="0">
+            <a:schemeClr val="accent1"/>
+          </a:effectRef>
+          <a:fontRef idx="minor">
+            <a:schemeClr val="lt1"/>
+          </a:fontRef>
+        </p:style>
+        <p:txBody>
+          <a:bodyPr rtlCol="0" anchor="ctr"/>
+          <a:lstStyle/>
+          <a:p>
+            <a:pPr algn="ctr"/>
             <a:r>
               <a:rPr lang="en-US" dirty="0" smtClean="0"/>
-              <a:t>Technology</a:t>
-            </a:r>
-          </a:p>
-          <a:p>
-            <a:pPr lvl="1"/>
+              <a:t>PHP Application</a:t>
+            </a:r>
+            <a:endParaRPr lang="en-US" dirty="0"/>
+          </a:p>
+        </p:txBody>
+      </p:sp>
+      <p:sp>
+        <p:nvSpPr>
+          <p:cNvPr id="8" name="Right Arrow 7"/>
+          <p:cNvSpPr/>
+          <p:nvPr/>
+        </p:nvSpPr>
+        <p:spPr>
+          <a:xfrm rot="1078628">
+            <a:off x="2588860" y="2096729"/>
+            <a:ext cx="3158748" cy="562905"/>
+          </a:xfrm>
+          <a:prstGeom prst="rightArrow">
+            <a:avLst/>
+          </a:prstGeom>
+        </p:spPr>
+        <p:style>
+          <a:lnRef idx="3">
+            <a:schemeClr val="lt1"/>
+          </a:lnRef>
+          <a:fillRef idx="1">
+            <a:schemeClr val="accent2"/>
+          </a:fillRef>
+          <a:effectRef idx="1">
+            <a:schemeClr val="accent2"/>
+          </a:effectRef>
+          <a:fontRef idx="minor">
+            <a:schemeClr val="lt1"/>
+          </a:fontRef>
+        </p:style>
+        <p:txBody>
+          <a:bodyPr rtlCol="0" anchor="ctr"/>
+          <a:lstStyle/>
+          <a:p>
+            <a:pPr algn="ctr"/>
             <a:r>
               <a:rPr lang="en-US" dirty="0" smtClean="0"/>
-              <a:t>PHP</a:t>
-            </a:r>
-          </a:p>
-          <a:p>
+              <a:t>Request</a:t>
+            </a:r>
+            <a:endParaRPr lang="en-US" dirty="0"/>
+          </a:p>
+        </p:txBody>
+      </p:sp>
+      <p:sp>
+        <p:nvSpPr>
+          <p:cNvPr id="9" name="Right Arrow 8"/>
+          <p:cNvSpPr/>
+          <p:nvPr/>
+        </p:nvSpPr>
+        <p:spPr>
+          <a:xfrm rot="19920349" flipH="1">
+            <a:off x="2511661" y="4417232"/>
+            <a:ext cx="3282650" cy="562905"/>
+          </a:xfrm>
+          <a:prstGeom prst="rightArrow">
+            <a:avLst/>
+          </a:prstGeom>
+        </p:spPr>
+        <p:style>
+          <a:lnRef idx="3">
+            <a:schemeClr val="lt1"/>
+          </a:lnRef>
+          <a:fillRef idx="1">
+            <a:schemeClr val="accent2"/>
+          </a:fillRef>
+          <a:effectRef idx="1">
+            <a:schemeClr val="accent2"/>
+          </a:effectRef>
+          <a:fontRef idx="minor">
+            <a:schemeClr val="lt1"/>
+          </a:fontRef>
+        </p:style>
+        <p:txBody>
+          <a:bodyPr rtlCol="0" anchor="ctr"/>
+          <a:lstStyle/>
+          <a:p>
+            <a:pPr algn="ctr"/>
+            <a:r>
+              <a:rPr lang="en-US" dirty="0" smtClean="0"/>
+              <a:t>Response</a:t>
+            </a:r>
+            <a:endParaRPr lang="en-US" dirty="0"/>
+          </a:p>
+        </p:txBody>
+      </p:sp>
+      <p:sp>
+        <p:nvSpPr>
+          <p:cNvPr id="10" name="Left-Right Arrow 9"/>
+          <p:cNvSpPr/>
+          <p:nvPr/>
+        </p:nvSpPr>
+        <p:spPr>
+          <a:xfrm>
+            <a:off x="7837714" y="3017697"/>
+            <a:ext cx="1410789" cy="562194"/>
+          </a:xfrm>
+          <a:prstGeom prst="leftRightArrow">
+            <a:avLst/>
+          </a:prstGeom>
+        </p:spPr>
+        <p:style>
+          <a:lnRef idx="3">
+            <a:schemeClr val="lt1"/>
+          </a:lnRef>
+          <a:fillRef idx="1">
+            <a:schemeClr val="accent2"/>
+          </a:fillRef>
+          <a:effectRef idx="1">
+            <a:schemeClr val="accent2"/>
+          </a:effectRef>
+          <a:fontRef idx="minor">
+            <a:schemeClr val="lt1"/>
+          </a:fontRef>
+        </p:style>
+        <p:txBody>
+          <a:bodyPr rtlCol="0" anchor="ctr"/>
+          <a:lstStyle/>
+          <a:p>
+            <a:pPr algn="ctr"/>
+            <a:endParaRPr lang="en-US"/>
+          </a:p>
+        </p:txBody>
+      </p:sp>
+      <p:sp>
+        <p:nvSpPr>
+          <p:cNvPr id="11" name="Rectangle 10"/>
+          <p:cNvSpPr/>
+          <p:nvPr/>
+        </p:nvSpPr>
+        <p:spPr>
+          <a:xfrm>
+            <a:off x="5304084" y="1726856"/>
+            <a:ext cx="5929973" cy="3184778"/>
+          </a:xfrm>
+          <a:prstGeom prst="rect">
+            <a:avLst/>
+          </a:prstGeom>
+          <a:noFill/>
+          <a:ln w="9525" cap="flat" cmpd="sng" algn="ctr">
+            <a:solidFill>
+              <a:schemeClr val="accent6"/>
+            </a:solidFill>
+            <a:prstDash val="solid"/>
+            <a:round/>
+            <a:headEnd type="none" w="med" len="med"/>
+            <a:tailEnd type="none" w="med" len="med"/>
+          </a:ln>
+        </p:spPr>
+        <p:style>
+          <a:lnRef idx="0">
+            <a:scrgbClr r="0" g="0" b="0"/>
+          </a:lnRef>
+          <a:fillRef idx="0">
+            <a:scrgbClr r="0" g="0" b="0"/>
+          </a:fillRef>
+          <a:effectRef idx="0">
+            <a:scrgbClr r="0" g="0" b="0"/>
+          </a:effectRef>
+          <a:fontRef idx="minor">
+            <a:schemeClr val="accent6"/>
+          </a:fontRef>
+        </p:style>
+        <p:txBody>
+          <a:bodyPr rtlCol="0" anchor="ctr"/>
+          <a:lstStyle/>
+          <a:p>
+            <a:pPr algn="ctr"/>
+            <a:endParaRPr lang="en-US"/>
+          </a:p>
+        </p:txBody>
+      </p:sp>
+      <p:sp>
+        <p:nvSpPr>
+          <p:cNvPr id="12" name="TextBox 11"/>
+          <p:cNvSpPr txBox="1"/>
+          <p:nvPr/>
+        </p:nvSpPr>
+        <p:spPr>
+          <a:xfrm>
+            <a:off x="7677496" y="4519215"/>
+            <a:ext cx="1571007" cy="369332"/>
+          </a:xfrm>
+          <a:prstGeom prst="rect">
+            <a:avLst/>
+          </a:prstGeom>
+          <a:noFill/>
+        </p:spPr>
+        <p:txBody>
+          <a:bodyPr wrap="none" rtlCol="0">
+            <a:spAutoFit/>
+          </a:bodyPr>
+          <a:lstStyle/>
+          <a:p>
+            <a:r>
+              <a:rPr lang="en-US" dirty="0" smtClean="0"/>
+              <a:t>Remote Server</a:t>
+            </a:r>
             <a:endParaRPr lang="en-US" dirty="0"/>
           </a:p>
         </p:txBody>
@@ -3209,7 +3554,720 @@
     </p:spTree>
     <p:extLst>
       <p:ext uri="{BB962C8B-B14F-4D97-AF65-F5344CB8AC3E}">
-        <p14:creationId xmlns:p14="http://schemas.microsoft.com/office/powerpoint/2010/main" val="2275768947"/>
+        <p14:creationId xmlns:p14="http://schemas.microsoft.com/office/powerpoint/2010/main" val="3130176717"/>
+      </p:ext>
+    </p:extLst>
+  </p:cSld>
+  <p:clrMapOvr>
+    <a:masterClrMapping/>
+  </p:clrMapOvr>
+  <p:timing>
+    <p:tnLst>
+      <p:par>
+        <p:cTn id="1" dur="indefinite" restart="never" nodeType="tmRoot"/>
+      </p:par>
+    </p:tnLst>
+  </p:timing>
+</p:sld>
+</file>
+
+<file path=ppt/slides/slide4.xml><?xml version="1.0" encoding="utf-8"?>
+<p:sld xmlns:a="http://schemas.openxmlformats.org/drawingml/2006/main" xmlns:r="http://schemas.openxmlformats.org/officeDocument/2006/relationships" xmlns:p="http://schemas.openxmlformats.org/presentationml/2006/main">
+  <p:cSld>
+    <p:spTree>
+      <p:nvGrpSpPr>
+        <p:cNvPr id="1" name=""/>
+        <p:cNvGrpSpPr/>
+        <p:nvPr/>
+      </p:nvGrpSpPr>
+      <p:grpSpPr>
+        <a:xfrm>
+          <a:off x="0" y="0"/>
+          <a:ext cx="0" cy="0"/>
+          <a:chOff x="0" y="0"/>
+          <a:chExt cx="0" cy="0"/>
+        </a:xfrm>
+      </p:grpSpPr>
+      <p:sp>
+        <p:nvSpPr>
+          <p:cNvPr id="2" name="Title 1"/>
+          <p:cNvSpPr>
+            <a:spLocks noGrp="1"/>
+          </p:cNvSpPr>
+          <p:nvPr>
+            <p:ph type="title"/>
+          </p:nvPr>
+        </p:nvSpPr>
+        <p:spPr>
+          <a:xfrm>
+            <a:off x="8503920" y="365125"/>
+            <a:ext cx="2849880" cy="1325563"/>
+          </a:xfrm>
+        </p:spPr>
+        <p:txBody>
+          <a:bodyPr/>
+          <a:lstStyle/>
+          <a:p>
+            <a:r>
+              <a:rPr lang="en-US" dirty="0" smtClean="0"/>
+              <a:t>Technology</a:t>
+            </a:r>
+            <a:endParaRPr lang="en-US" dirty="0"/>
+          </a:p>
+        </p:txBody>
+      </p:sp>
+      <p:sp>
+        <p:nvSpPr>
+          <p:cNvPr id="3" name="Content Placeholder 2"/>
+          <p:cNvSpPr>
+            <a:spLocks noGrp="1"/>
+          </p:cNvSpPr>
+          <p:nvPr>
+            <p:ph idx="1"/>
+          </p:nvPr>
+        </p:nvSpPr>
+        <p:spPr/>
+        <p:txBody>
+          <a:bodyPr/>
+          <a:lstStyle/>
+          <a:p>
+            <a:r>
+              <a:rPr lang="en-US" dirty="0" smtClean="0"/>
+              <a:t>PHP</a:t>
+            </a:r>
+          </a:p>
+          <a:p>
+            <a:r>
+              <a:rPr lang="en-US" dirty="0" smtClean="0"/>
+              <a:t>Android Volley library</a:t>
+            </a:r>
+          </a:p>
+          <a:p>
+            <a:pPr lvl="1"/>
+            <a:endParaRPr lang="en-US" dirty="0"/>
+          </a:p>
+        </p:txBody>
+      </p:sp>
+    </p:spTree>
+    <p:extLst>
+      <p:ext uri="{BB962C8B-B14F-4D97-AF65-F5344CB8AC3E}">
+        <p14:creationId xmlns:p14="http://schemas.microsoft.com/office/powerpoint/2010/main" val="1864792077"/>
+      </p:ext>
+    </p:extLst>
+  </p:cSld>
+  <p:clrMapOvr>
+    <a:masterClrMapping/>
+  </p:clrMapOvr>
+  <p:timing>
+    <p:tnLst>
+      <p:par>
+        <p:cTn id="1" dur="indefinite" restart="never" nodeType="tmRoot"/>
+      </p:par>
+    </p:tnLst>
+  </p:timing>
+</p:sld>
+</file>
+
+<file path=ppt/slides/slide5.xml><?xml version="1.0" encoding="utf-8"?>
+<p:sld xmlns:a="http://schemas.openxmlformats.org/drawingml/2006/main" xmlns:r="http://schemas.openxmlformats.org/officeDocument/2006/relationships" xmlns:p="http://schemas.openxmlformats.org/presentationml/2006/main">
+  <p:cSld>
+    <p:spTree>
+      <p:nvGrpSpPr>
+        <p:cNvPr id="1" name=""/>
+        <p:cNvGrpSpPr/>
+        <p:nvPr/>
+      </p:nvGrpSpPr>
+      <p:grpSpPr>
+        <a:xfrm>
+          <a:off x="0" y="0"/>
+          <a:ext cx="0" cy="0"/>
+          <a:chOff x="0" y="0"/>
+          <a:chExt cx="0" cy="0"/>
+        </a:xfrm>
+      </p:grpSpPr>
+    </p:spTree>
+    <p:extLst>
+      <p:ext uri="{BB962C8B-B14F-4D97-AF65-F5344CB8AC3E}">
+        <p14:creationId xmlns:p14="http://schemas.microsoft.com/office/powerpoint/2010/main" val="544275301"/>
+      </p:ext>
+    </p:extLst>
+  </p:cSld>
+  <p:clrMapOvr>
+    <a:masterClrMapping/>
+  </p:clrMapOvr>
+</p:sld>
+</file>
+
+<file path=ppt/slides/slide6.xml><?xml version="1.0" encoding="utf-8"?>
+<p:sld xmlns:a="http://schemas.openxmlformats.org/drawingml/2006/main" xmlns:r="http://schemas.openxmlformats.org/officeDocument/2006/relationships" xmlns:p="http://schemas.openxmlformats.org/presentationml/2006/main">
+  <p:cSld>
+    <p:spTree>
+      <p:nvGrpSpPr>
+        <p:cNvPr id="1" name=""/>
+        <p:cNvGrpSpPr/>
+        <p:nvPr/>
+      </p:nvGrpSpPr>
+      <p:grpSpPr>
+        <a:xfrm>
+          <a:off x="0" y="0"/>
+          <a:ext cx="0" cy="0"/>
+          <a:chOff x="0" y="0"/>
+          <a:chExt cx="0" cy="0"/>
+        </a:xfrm>
+      </p:grpSpPr>
+      <p:sp>
+        <p:nvSpPr>
+          <p:cNvPr id="2" name="Title 1"/>
+          <p:cNvSpPr>
+            <a:spLocks noGrp="1"/>
+          </p:cNvSpPr>
+          <p:nvPr>
+            <p:ph type="title"/>
+          </p:nvPr>
+        </p:nvSpPr>
+        <p:spPr>
+          <a:xfrm>
+            <a:off x="7276010" y="365125"/>
+            <a:ext cx="4077789" cy="1325563"/>
+          </a:xfrm>
+        </p:spPr>
+        <p:txBody>
+          <a:bodyPr/>
+          <a:lstStyle/>
+          <a:p>
+            <a:r>
+              <a:rPr lang="en-US" dirty="0" smtClean="0"/>
+              <a:t>SQLite Database</a:t>
+            </a:r>
+            <a:endParaRPr lang="en-US" dirty="0"/>
+          </a:p>
+        </p:txBody>
+      </p:sp>
+      <p:sp>
+        <p:nvSpPr>
+          <p:cNvPr id="3" name="Content Placeholder 2"/>
+          <p:cNvSpPr>
+            <a:spLocks noGrp="1"/>
+          </p:cNvSpPr>
+          <p:nvPr>
+            <p:ph idx="1"/>
+          </p:nvPr>
+        </p:nvSpPr>
+        <p:spPr/>
+        <p:txBody>
+          <a:bodyPr/>
+          <a:lstStyle/>
+          <a:p>
+            <a:r>
+              <a:rPr lang="en-US" dirty="0" smtClean="0"/>
+              <a:t>Architecture (Concept)</a:t>
+            </a:r>
+          </a:p>
+          <a:p>
+            <a:r>
+              <a:rPr lang="en-US" dirty="0" smtClean="0"/>
+              <a:t>Technology</a:t>
+            </a:r>
+          </a:p>
+          <a:p>
+            <a:pPr lvl="1"/>
+            <a:r>
+              <a:rPr lang="en-US" dirty="0" smtClean="0"/>
+              <a:t>SQLite</a:t>
+            </a:r>
+          </a:p>
+          <a:p>
+            <a:pPr lvl="1"/>
+            <a:r>
+              <a:rPr lang="en-US" dirty="0" smtClean="0"/>
+              <a:t>Android Room Persistence library</a:t>
+            </a:r>
+            <a:endParaRPr lang="en-US" dirty="0"/>
+          </a:p>
+        </p:txBody>
+      </p:sp>
+    </p:spTree>
+    <p:extLst>
+      <p:ext uri="{BB962C8B-B14F-4D97-AF65-F5344CB8AC3E}">
+        <p14:creationId xmlns:p14="http://schemas.microsoft.com/office/powerpoint/2010/main" val="3929665681"/>
+      </p:ext>
+    </p:extLst>
+  </p:cSld>
+  <p:clrMapOvr>
+    <a:masterClrMapping/>
+  </p:clrMapOvr>
+</p:sld>
+</file>
+
+<file path=ppt/slides/slide7.xml><?xml version="1.0" encoding="utf-8"?>
+<p:sld xmlns:a="http://schemas.openxmlformats.org/drawingml/2006/main" xmlns:r="http://schemas.openxmlformats.org/officeDocument/2006/relationships" xmlns:p="http://schemas.openxmlformats.org/presentationml/2006/main">
+  <p:cSld>
+    <p:spTree>
+      <p:nvGrpSpPr>
+        <p:cNvPr id="1" name=""/>
+        <p:cNvGrpSpPr/>
+        <p:nvPr/>
+      </p:nvGrpSpPr>
+      <p:grpSpPr>
+        <a:xfrm>
+          <a:off x="0" y="0"/>
+          <a:ext cx="0" cy="0"/>
+          <a:chOff x="0" y="0"/>
+          <a:chExt cx="0" cy="0"/>
+        </a:xfrm>
+      </p:grpSpPr>
+      <p:sp>
+        <p:nvSpPr>
+          <p:cNvPr id="2" name="Title 1"/>
+          <p:cNvSpPr>
+            <a:spLocks noGrp="1"/>
+          </p:cNvSpPr>
+          <p:nvPr>
+            <p:ph type="title"/>
+          </p:nvPr>
+        </p:nvSpPr>
+        <p:spPr>
+          <a:xfrm>
+            <a:off x="5865222" y="365125"/>
+            <a:ext cx="5488577" cy="1325563"/>
+          </a:xfrm>
+        </p:spPr>
+        <p:txBody>
+          <a:bodyPr/>
+          <a:lstStyle/>
+          <a:p>
+            <a:r>
+              <a:rPr lang="en-US" dirty="0" smtClean="0"/>
+              <a:t>Architecture (Concept)</a:t>
+            </a:r>
+            <a:endParaRPr lang="en-US" dirty="0"/>
+          </a:p>
+        </p:txBody>
+      </p:sp>
+      <p:sp>
+        <p:nvSpPr>
+          <p:cNvPr id="4" name="Flowchart: Magnetic Disk 3"/>
+          <p:cNvSpPr/>
+          <p:nvPr/>
+        </p:nvSpPr>
+        <p:spPr>
+          <a:xfrm>
+            <a:off x="9233902" y="3370217"/>
+            <a:ext cx="914400" cy="612648"/>
+          </a:xfrm>
+          <a:prstGeom prst="flowChartMagneticDisk">
+            <a:avLst/>
+          </a:prstGeom>
+        </p:spPr>
+        <p:style>
+          <a:lnRef idx="2">
+            <a:schemeClr val="accent1">
+              <a:shade val="50000"/>
+            </a:schemeClr>
+          </a:lnRef>
+          <a:fillRef idx="1">
+            <a:schemeClr val="accent1"/>
+          </a:fillRef>
+          <a:effectRef idx="0">
+            <a:schemeClr val="accent1"/>
+          </a:effectRef>
+          <a:fontRef idx="minor">
+            <a:schemeClr val="lt1"/>
+          </a:fontRef>
+        </p:style>
+        <p:txBody>
+          <a:bodyPr rtlCol="0" anchor="ctr"/>
+          <a:lstStyle/>
+          <a:p>
+            <a:pPr algn="ctr"/>
+            <a:r>
+              <a:rPr lang="en-US" dirty="0" smtClean="0"/>
+              <a:t>Entity</a:t>
+            </a:r>
+            <a:endParaRPr lang="en-US" dirty="0"/>
+          </a:p>
+        </p:txBody>
+      </p:sp>
+      <p:sp>
+        <p:nvSpPr>
+          <p:cNvPr id="5" name="Flowchart: Predefined Process 4"/>
+          <p:cNvSpPr/>
+          <p:nvPr/>
+        </p:nvSpPr>
+        <p:spPr>
+          <a:xfrm>
+            <a:off x="6073716" y="3370217"/>
+            <a:ext cx="914400" cy="612648"/>
+          </a:xfrm>
+          <a:prstGeom prst="flowChartPredefinedProcess">
+            <a:avLst/>
+          </a:prstGeom>
+        </p:spPr>
+        <p:style>
+          <a:lnRef idx="2">
+            <a:schemeClr val="accent1">
+              <a:shade val="50000"/>
+            </a:schemeClr>
+          </a:lnRef>
+          <a:fillRef idx="1">
+            <a:schemeClr val="accent1"/>
+          </a:fillRef>
+          <a:effectRef idx="0">
+            <a:schemeClr val="accent1"/>
+          </a:effectRef>
+          <a:fontRef idx="minor">
+            <a:schemeClr val="lt1"/>
+          </a:fontRef>
+        </p:style>
+        <p:txBody>
+          <a:bodyPr rtlCol="0" anchor="ctr"/>
+          <a:lstStyle/>
+          <a:p>
+            <a:pPr algn="ctr"/>
+            <a:r>
+              <a:rPr lang="en-US" dirty="0" smtClean="0"/>
+              <a:t>DAO</a:t>
+            </a:r>
+            <a:endParaRPr lang="en-US" dirty="0"/>
+          </a:p>
+        </p:txBody>
+      </p:sp>
+      <p:pic>
+        <p:nvPicPr>
+          <p:cNvPr id="6" name="Picture 5"/>
+          <p:cNvPicPr>
+            <a:picLocks noChangeAspect="1"/>
+          </p:cNvPicPr>
+          <p:nvPr/>
+        </p:nvPicPr>
+        <p:blipFill>
+          <a:blip r:embed="rId2" cstate="print">
+            <a:extLst>
+              <a:ext uri="{28A0092B-C50C-407E-A947-70E740481C1C}">
+                <a14:useLocalDpi xmlns:a14="http://schemas.microsoft.com/office/drawing/2010/main" val="0"/>
+              </a:ext>
+            </a:extLst>
+          </a:blip>
+          <a:stretch>
+            <a:fillRect/>
+          </a:stretch>
+        </p:blipFill>
+        <p:spPr>
+          <a:xfrm>
+            <a:off x="688413" y="226341"/>
+            <a:ext cx="1768430" cy="3143876"/>
+          </a:xfrm>
+          <a:prstGeom prst="rect">
+            <a:avLst/>
+          </a:prstGeom>
+        </p:spPr>
+      </p:pic>
+      <p:pic>
+        <p:nvPicPr>
+          <p:cNvPr id="7" name="Picture 6"/>
+          <p:cNvPicPr>
+            <a:picLocks noChangeAspect="1"/>
+          </p:cNvPicPr>
+          <p:nvPr/>
+        </p:nvPicPr>
+        <p:blipFill>
+          <a:blip r:embed="rId3" cstate="print">
+            <a:extLst>
+              <a:ext uri="{28A0092B-C50C-407E-A947-70E740481C1C}">
+                <a14:useLocalDpi xmlns:a14="http://schemas.microsoft.com/office/drawing/2010/main" val="0"/>
+              </a:ext>
+            </a:extLst>
+          </a:blip>
+          <a:stretch>
+            <a:fillRect/>
+          </a:stretch>
+        </p:blipFill>
+        <p:spPr>
+          <a:xfrm>
+            <a:off x="688413" y="3531244"/>
+            <a:ext cx="1768430" cy="3143876"/>
+          </a:xfrm>
+          <a:prstGeom prst="rect">
+            <a:avLst/>
+          </a:prstGeom>
+        </p:spPr>
+      </p:pic>
+      <p:sp>
+        <p:nvSpPr>
+          <p:cNvPr id="8" name="Rectangle 7"/>
+          <p:cNvSpPr/>
+          <p:nvPr/>
+        </p:nvSpPr>
+        <p:spPr>
+          <a:xfrm>
+            <a:off x="5617029" y="2457361"/>
+            <a:ext cx="4950822" cy="2438359"/>
+          </a:xfrm>
+          <a:prstGeom prst="rect">
+            <a:avLst/>
+          </a:prstGeom>
+          <a:noFill/>
+          <a:ln>
+            <a:solidFill>
+              <a:srgbClr val="00B050"/>
+            </a:solidFill>
+          </a:ln>
+        </p:spPr>
+        <p:style>
+          <a:lnRef idx="2">
+            <a:schemeClr val="accent1">
+              <a:shade val="50000"/>
+            </a:schemeClr>
+          </a:lnRef>
+          <a:fillRef idx="1">
+            <a:schemeClr val="accent1"/>
+          </a:fillRef>
+          <a:effectRef idx="0">
+            <a:schemeClr val="accent1"/>
+          </a:effectRef>
+          <a:fontRef idx="minor">
+            <a:schemeClr val="lt1"/>
+          </a:fontRef>
+        </p:style>
+        <p:txBody>
+          <a:bodyPr rtlCol="0" anchor="ctr"/>
+          <a:lstStyle/>
+          <a:p>
+            <a:pPr algn="ctr"/>
+            <a:endParaRPr lang="en-US" dirty="0"/>
+          </a:p>
+        </p:txBody>
+      </p:sp>
+      <p:sp>
+        <p:nvSpPr>
+          <p:cNvPr id="9" name="Left-Right Arrow 8"/>
+          <p:cNvSpPr/>
+          <p:nvPr/>
+        </p:nvSpPr>
+        <p:spPr>
+          <a:xfrm>
+            <a:off x="7184571" y="3474065"/>
+            <a:ext cx="1907178" cy="404949"/>
+          </a:xfrm>
+          <a:prstGeom prst="leftRightArrow">
+            <a:avLst/>
+          </a:prstGeom>
+        </p:spPr>
+        <p:style>
+          <a:lnRef idx="2">
+            <a:schemeClr val="accent1">
+              <a:shade val="50000"/>
+            </a:schemeClr>
+          </a:lnRef>
+          <a:fillRef idx="1">
+            <a:schemeClr val="accent1"/>
+          </a:fillRef>
+          <a:effectRef idx="0">
+            <a:schemeClr val="accent1"/>
+          </a:effectRef>
+          <a:fontRef idx="minor">
+            <a:schemeClr val="lt1"/>
+          </a:fontRef>
+        </p:style>
+        <p:txBody>
+          <a:bodyPr rtlCol="0" anchor="ctr"/>
+          <a:lstStyle/>
+          <a:p>
+            <a:pPr algn="ctr"/>
+            <a:endParaRPr lang="en-US"/>
+          </a:p>
+        </p:txBody>
+      </p:sp>
+      <p:sp>
+        <p:nvSpPr>
+          <p:cNvPr id="10" name="Right Arrow 9"/>
+          <p:cNvSpPr/>
+          <p:nvPr/>
+        </p:nvSpPr>
+        <p:spPr>
+          <a:xfrm rot="2146113">
+            <a:off x="2416258" y="1961035"/>
+            <a:ext cx="3858373" cy="491993"/>
+          </a:xfrm>
+          <a:prstGeom prst="rightArrow">
+            <a:avLst/>
+          </a:prstGeom>
+        </p:spPr>
+        <p:style>
+          <a:lnRef idx="2">
+            <a:schemeClr val="accent1">
+              <a:shade val="50000"/>
+            </a:schemeClr>
+          </a:lnRef>
+          <a:fillRef idx="1">
+            <a:schemeClr val="accent1"/>
+          </a:fillRef>
+          <a:effectRef idx="0">
+            <a:schemeClr val="accent1"/>
+          </a:effectRef>
+          <a:fontRef idx="minor">
+            <a:schemeClr val="lt1"/>
+          </a:fontRef>
+        </p:style>
+        <p:txBody>
+          <a:bodyPr rtlCol="0" anchor="ctr"/>
+          <a:lstStyle/>
+          <a:p>
+            <a:pPr algn="ctr"/>
+            <a:r>
+              <a:rPr lang="en-US" dirty="0" smtClean="0"/>
+              <a:t>Request</a:t>
+            </a:r>
+            <a:endParaRPr lang="en-US" dirty="0"/>
+          </a:p>
+        </p:txBody>
+      </p:sp>
+      <p:sp>
+        <p:nvSpPr>
+          <p:cNvPr id="11" name="Right Arrow 10"/>
+          <p:cNvSpPr/>
+          <p:nvPr/>
+        </p:nvSpPr>
+        <p:spPr>
+          <a:xfrm rot="19921561" flipH="1">
+            <a:off x="2548620" y="4649723"/>
+            <a:ext cx="3476795" cy="491993"/>
+          </a:xfrm>
+          <a:prstGeom prst="rightArrow">
+            <a:avLst/>
+          </a:prstGeom>
+        </p:spPr>
+        <p:style>
+          <a:lnRef idx="2">
+            <a:schemeClr val="accent1">
+              <a:shade val="50000"/>
+            </a:schemeClr>
+          </a:lnRef>
+          <a:fillRef idx="1">
+            <a:schemeClr val="accent1"/>
+          </a:fillRef>
+          <a:effectRef idx="0">
+            <a:schemeClr val="accent1"/>
+          </a:effectRef>
+          <a:fontRef idx="minor">
+            <a:schemeClr val="lt1"/>
+          </a:fontRef>
+        </p:style>
+        <p:txBody>
+          <a:bodyPr rtlCol="0" anchor="ctr"/>
+          <a:lstStyle/>
+          <a:p>
+            <a:pPr algn="ctr"/>
+            <a:r>
+              <a:rPr lang="en-US" dirty="0" smtClean="0"/>
+              <a:t>Response</a:t>
+            </a:r>
+            <a:endParaRPr lang="en-US" dirty="0"/>
+          </a:p>
+        </p:txBody>
+      </p:sp>
+    </p:spTree>
+    <p:extLst>
+      <p:ext uri="{BB962C8B-B14F-4D97-AF65-F5344CB8AC3E}">
+        <p14:creationId xmlns:p14="http://schemas.microsoft.com/office/powerpoint/2010/main" val="2021903295"/>
+      </p:ext>
+    </p:extLst>
+  </p:cSld>
+  <p:clrMapOvr>
+    <a:masterClrMapping/>
+  </p:clrMapOvr>
+</p:sld>
+</file>
+
+<file path=ppt/slides/slide8.xml><?xml version="1.0" encoding="utf-8"?>
+<p:sld xmlns:a="http://schemas.openxmlformats.org/drawingml/2006/main" xmlns:r="http://schemas.openxmlformats.org/officeDocument/2006/relationships" xmlns:p="http://schemas.openxmlformats.org/presentationml/2006/main">
+  <p:cSld>
+    <p:spTree>
+      <p:nvGrpSpPr>
+        <p:cNvPr id="1" name=""/>
+        <p:cNvGrpSpPr/>
+        <p:nvPr/>
+      </p:nvGrpSpPr>
+      <p:grpSpPr>
+        <a:xfrm>
+          <a:off x="0" y="0"/>
+          <a:ext cx="0" cy="0"/>
+          <a:chOff x="0" y="0"/>
+          <a:chExt cx="0" cy="0"/>
+        </a:xfrm>
+      </p:grpSpPr>
+      <p:sp>
+        <p:nvSpPr>
+          <p:cNvPr id="2" name="Title 1"/>
+          <p:cNvSpPr>
+            <a:spLocks noGrp="1"/>
+          </p:cNvSpPr>
+          <p:nvPr>
+            <p:ph type="title"/>
+          </p:nvPr>
+        </p:nvSpPr>
+        <p:spPr>
+          <a:xfrm>
+            <a:off x="8530046" y="365125"/>
+            <a:ext cx="2823754" cy="1325563"/>
+          </a:xfrm>
+        </p:spPr>
+        <p:txBody>
+          <a:bodyPr/>
+          <a:lstStyle/>
+          <a:p>
+            <a:r>
+              <a:rPr lang="en-US" dirty="0" smtClean="0"/>
+              <a:t>Technology</a:t>
+            </a:r>
+            <a:endParaRPr lang="en-US" dirty="0"/>
+          </a:p>
+        </p:txBody>
+      </p:sp>
+      <p:sp>
+        <p:nvSpPr>
+          <p:cNvPr id="3" name="Content Placeholder 2"/>
+          <p:cNvSpPr>
+            <a:spLocks noGrp="1"/>
+          </p:cNvSpPr>
+          <p:nvPr>
+            <p:ph idx="1"/>
+          </p:nvPr>
+        </p:nvSpPr>
+        <p:spPr/>
+        <p:txBody>
+          <a:bodyPr/>
+          <a:lstStyle/>
+          <a:p>
+            <a:r>
+              <a:rPr lang="en-US" dirty="0" smtClean="0"/>
+              <a:t>PHP</a:t>
+            </a:r>
+          </a:p>
+          <a:p>
+            <a:r>
+              <a:rPr lang="en-US" dirty="0" smtClean="0"/>
+              <a:t>Android </a:t>
+            </a:r>
+            <a:r>
+              <a:rPr lang="en-US" smtClean="0"/>
+              <a:t>Room Persistence </a:t>
+            </a:r>
+            <a:r>
+              <a:rPr lang="en-US" dirty="0" smtClean="0"/>
+              <a:t>library</a:t>
+            </a:r>
+          </a:p>
+          <a:p>
+            <a:pPr lvl="1"/>
+            <a:endParaRPr lang="en-US" dirty="0"/>
+          </a:p>
+        </p:txBody>
+      </p:sp>
+    </p:spTree>
+    <p:extLst>
+      <p:ext uri="{BB962C8B-B14F-4D97-AF65-F5344CB8AC3E}">
+        <p14:creationId xmlns:p14="http://schemas.microsoft.com/office/powerpoint/2010/main" val="2532987863"/>
       </p:ext>
     </p:extLst>
   </p:cSld>
